--- a/diapositivas/CURSO DE ANGULAR BÁSICO.pptx
+++ b/diapositivas/CURSO DE ANGULAR BÁSICO.pptx
@@ -256,7 +256,7 @@
           <a:p>
             <a:fld id="{3F87F29C-DF43-4E58-BC64-8A7C6389D885}" type="datetimeFigureOut">
               <a:rPr lang="es-PE" smtClean="0"/>
-              <a:t>9/09/2021</a:t>
+              <a:t>23/09/2021</a:t>
             </a:fld>
             <a:endParaRPr lang="es-PE"/>
           </a:p>
@@ -426,7 +426,7 @@
           <a:p>
             <a:fld id="{3F87F29C-DF43-4E58-BC64-8A7C6389D885}" type="datetimeFigureOut">
               <a:rPr lang="es-PE" smtClean="0"/>
-              <a:t>9/09/2021</a:t>
+              <a:t>23/09/2021</a:t>
             </a:fld>
             <a:endParaRPr lang="es-PE"/>
           </a:p>
@@ -606,7 +606,7 @@
           <a:p>
             <a:fld id="{3F87F29C-DF43-4E58-BC64-8A7C6389D885}" type="datetimeFigureOut">
               <a:rPr lang="es-PE" smtClean="0"/>
-              <a:t>9/09/2021</a:t>
+              <a:t>23/09/2021</a:t>
             </a:fld>
             <a:endParaRPr lang="es-PE"/>
           </a:p>
@@ -776,7 +776,7 @@
           <a:p>
             <a:fld id="{3F87F29C-DF43-4E58-BC64-8A7C6389D885}" type="datetimeFigureOut">
               <a:rPr lang="es-PE" smtClean="0"/>
-              <a:t>9/09/2021</a:t>
+              <a:t>23/09/2021</a:t>
             </a:fld>
             <a:endParaRPr lang="es-PE"/>
           </a:p>
@@ -1022,7 +1022,7 @@
           <a:p>
             <a:fld id="{3F87F29C-DF43-4E58-BC64-8A7C6389D885}" type="datetimeFigureOut">
               <a:rPr lang="es-PE" smtClean="0"/>
-              <a:t>9/09/2021</a:t>
+              <a:t>23/09/2021</a:t>
             </a:fld>
             <a:endParaRPr lang="es-PE"/>
           </a:p>
@@ -1254,7 +1254,7 @@
           <a:p>
             <a:fld id="{3F87F29C-DF43-4E58-BC64-8A7C6389D885}" type="datetimeFigureOut">
               <a:rPr lang="es-PE" smtClean="0"/>
-              <a:t>9/09/2021</a:t>
+              <a:t>23/09/2021</a:t>
             </a:fld>
             <a:endParaRPr lang="es-PE"/>
           </a:p>
@@ -1621,7 +1621,7 @@
           <a:p>
             <a:fld id="{3F87F29C-DF43-4E58-BC64-8A7C6389D885}" type="datetimeFigureOut">
               <a:rPr lang="es-PE" smtClean="0"/>
-              <a:t>9/09/2021</a:t>
+              <a:t>23/09/2021</a:t>
             </a:fld>
             <a:endParaRPr lang="es-PE"/>
           </a:p>
@@ -1739,7 +1739,7 @@
           <a:p>
             <a:fld id="{3F87F29C-DF43-4E58-BC64-8A7C6389D885}" type="datetimeFigureOut">
               <a:rPr lang="es-PE" smtClean="0"/>
-              <a:t>9/09/2021</a:t>
+              <a:t>23/09/2021</a:t>
             </a:fld>
             <a:endParaRPr lang="es-PE"/>
           </a:p>
@@ -1834,7 +1834,7 @@
           <a:p>
             <a:fld id="{3F87F29C-DF43-4E58-BC64-8A7C6389D885}" type="datetimeFigureOut">
               <a:rPr lang="es-PE" smtClean="0"/>
-              <a:t>9/09/2021</a:t>
+              <a:t>23/09/2021</a:t>
             </a:fld>
             <a:endParaRPr lang="es-PE"/>
           </a:p>
@@ -2111,7 +2111,7 @@
           <a:p>
             <a:fld id="{3F87F29C-DF43-4E58-BC64-8A7C6389D885}" type="datetimeFigureOut">
               <a:rPr lang="es-PE" smtClean="0"/>
-              <a:t>9/09/2021</a:t>
+              <a:t>23/09/2021</a:t>
             </a:fld>
             <a:endParaRPr lang="es-PE"/>
           </a:p>
@@ -2368,7 +2368,7 @@
           <a:p>
             <a:fld id="{3F87F29C-DF43-4E58-BC64-8A7C6389D885}" type="datetimeFigureOut">
               <a:rPr lang="es-PE" smtClean="0"/>
-              <a:t>9/09/2021</a:t>
+              <a:t>23/09/2021</a:t>
             </a:fld>
             <a:endParaRPr lang="es-PE"/>
           </a:p>
@@ -2584,7 +2584,7 @@
           <a:p>
             <a:fld id="{3F87F29C-DF43-4E58-BC64-8A7C6389D885}" type="datetimeFigureOut">
               <a:rPr lang="es-PE" smtClean="0"/>
-              <a:t>9/09/2021</a:t>
+              <a:t>23/09/2021</a:t>
             </a:fld>
             <a:endParaRPr lang="es-PE"/>
           </a:p>
